--- a/TGNotebook/Docs/TGbotChatGPT_02_ru.pptx
+++ b/TGNotebook/Docs/TGbotChatGPT_02_ru.pptx
@@ -9,7 +9,7 @@
   </p:notesMasterIdLst>
   <p:sldIdLst>
     <p:sldId id="256" r:id="rId2"/>
-    <p:sldId id="257" r:id="rId3"/>
+    <p:sldId id="270" r:id="rId3"/>
     <p:sldId id="258" r:id="rId4"/>
     <p:sldId id="259" r:id="rId5"/>
     <p:sldId id="260" r:id="rId6"/>
@@ -22,7 +22,7 @@
     <p:sldId id="267" r:id="rId13"/>
     <p:sldId id="268" r:id="rId14"/>
     <p:sldId id="269" r:id="rId15"/>
-    <p:sldId id="270" r:id="rId16"/>
+    <p:sldId id="271" r:id="rId16"/>
   </p:sldIdLst>
   <p:sldSz cx="12192000" cy="6858000"/>
   <p:notesSz cx="6858000" cy="9144000"/>
@@ -121,6 +121,11 @@
       </a:defRPr>
     </a:lvl9pPr>
   </p:defaultTextStyle>
+  <p:extLst>
+    <p:ext uri="{EFAFB233-063F-42B5-8137-9DF3F51BA10A}">
+      <p15:sldGuideLst xmlns:p15="http://schemas.microsoft.com/office/powerpoint/2012/main"/>
+    </p:ext>
+  </p:extLst>
 </p:presentation>
 </file>
 
@@ -539,7 +544,7 @@
           <a:p>
             <a:fld id="{8B45500D-B56E-F848-A42C-DA665AA68DBE}" type="slidenum">
               <a:rPr lang="en-US" smtClean="0"/>
-              <a:t>2</a:t>
+              <a:t>3</a:t>
             </a:fld>
             <a:endParaRPr lang="en-US"/>
           </a:p>
@@ -548,7 +553,7 @@
     </p:spTree>
     <p:extLst>
       <p:ext uri="{BB962C8B-B14F-4D97-AF65-F5344CB8AC3E}">
-        <p14:creationId xmlns:p14="http://schemas.microsoft.com/office/powerpoint/2010/main" val="3285313379"/>
+        <p14:creationId xmlns:p14="http://schemas.microsoft.com/office/powerpoint/2010/main" val="270080447"/>
       </p:ext>
     </p:extLst>
   </p:cSld>
@@ -631,7 +636,7 @@
           <a:p>
             <a:fld id="{8B45500D-B56E-F848-A42C-DA665AA68DBE}" type="slidenum">
               <a:rPr lang="en-US" smtClean="0"/>
-              <a:t>11</a:t>
+              <a:t>12</a:t>
             </a:fld>
             <a:endParaRPr lang="en-US"/>
           </a:p>
@@ -640,7 +645,7 @@
     </p:spTree>
     <p:extLst>
       <p:ext uri="{BB962C8B-B14F-4D97-AF65-F5344CB8AC3E}">
-        <p14:creationId xmlns:p14="http://schemas.microsoft.com/office/powerpoint/2010/main" val="2339996739"/>
+        <p14:creationId xmlns:p14="http://schemas.microsoft.com/office/powerpoint/2010/main" val="3448848715"/>
       </p:ext>
     </p:extLst>
   </p:cSld>
@@ -723,7 +728,7 @@
           <a:p>
             <a:fld id="{8B45500D-B56E-F848-A42C-DA665AA68DBE}" type="slidenum">
               <a:rPr lang="en-US" smtClean="0"/>
-              <a:t>12</a:t>
+              <a:t>13</a:t>
             </a:fld>
             <a:endParaRPr lang="en-US"/>
           </a:p>
@@ -732,7 +737,7 @@
     </p:spTree>
     <p:extLst>
       <p:ext uri="{BB962C8B-B14F-4D97-AF65-F5344CB8AC3E}">
-        <p14:creationId xmlns:p14="http://schemas.microsoft.com/office/powerpoint/2010/main" val="3448848715"/>
+        <p14:creationId xmlns:p14="http://schemas.microsoft.com/office/powerpoint/2010/main" val="3423312752"/>
       </p:ext>
     </p:extLst>
   </p:cSld>
@@ -786,7 +791,7 @@
           <a:bodyPr/>
           <a:lstStyle/>
           <a:p>
-            <a:endParaRPr lang="en-US" sz="1200" kern="1200" dirty="0" smtClean="0">
+            <a:endParaRPr lang="en-US" sz="1200" kern="1200" dirty="0">
               <a:solidFill>
                 <a:schemeClr val="tx1"/>
               </a:solidFill>
@@ -815,7 +820,7 @@
           <a:p>
             <a:fld id="{8B45500D-B56E-F848-A42C-DA665AA68DBE}" type="slidenum">
               <a:rPr lang="en-US" smtClean="0"/>
-              <a:t>13</a:t>
+              <a:t>14</a:t>
             </a:fld>
             <a:endParaRPr lang="en-US"/>
           </a:p>
@@ -824,7 +829,7 @@
     </p:spTree>
     <p:extLst>
       <p:ext uri="{BB962C8B-B14F-4D97-AF65-F5344CB8AC3E}">
-        <p14:creationId xmlns:p14="http://schemas.microsoft.com/office/powerpoint/2010/main" val="3423312752"/>
+        <p14:creationId xmlns:p14="http://schemas.microsoft.com/office/powerpoint/2010/main" val="3236083508"/>
       </p:ext>
     </p:extLst>
   </p:cSld>
@@ -907,7 +912,7 @@
           <a:p>
             <a:fld id="{8B45500D-B56E-F848-A42C-DA665AA68DBE}" type="slidenum">
               <a:rPr lang="en-US" smtClean="0"/>
-              <a:t>14</a:t>
+              <a:t>15</a:t>
             </a:fld>
             <a:endParaRPr lang="en-US"/>
           </a:p>
@@ -916,7 +921,7 @@
     </p:spTree>
     <p:extLst>
       <p:ext uri="{BB962C8B-B14F-4D97-AF65-F5344CB8AC3E}">
-        <p14:creationId xmlns:p14="http://schemas.microsoft.com/office/powerpoint/2010/main" val="3236083508"/>
+        <p14:creationId xmlns:p14="http://schemas.microsoft.com/office/powerpoint/2010/main" val="2159210600"/>
       </p:ext>
     </p:extLst>
   </p:cSld>
@@ -970,7 +975,19 @@
           <a:bodyPr/>
           <a:lstStyle/>
           <a:p>
-            <a:endParaRPr lang="en-US" dirty="0"/>
+            <a:pPr lvl="0"/>
+            <a:r>
+              <a:rPr lang="en-US" sz="1000" dirty="0" smtClean="0"/>
+              <a:t>See the full API reference documentation here</a:t>
+            </a:r>
+          </a:p>
+          <a:p>
+            <a:pPr lvl="0"/>
+            <a:r>
+              <a:rPr lang="en-US" sz="1000" dirty="0" smtClean="0"/>
+              <a:t>https://platform.openai.com/docs/guides/gpt/chat-completions-ap</a:t>
+            </a:r>
+            <a:endParaRPr lang="en-US" sz="1000" dirty="0"/>
           </a:p>
         </p:txBody>
       </p:sp>
@@ -991,7 +1008,7 @@
           <a:p>
             <a:fld id="{8B45500D-B56E-F848-A42C-DA665AA68DBE}" type="slidenum">
               <a:rPr lang="en-US" smtClean="0"/>
-              <a:t>3</a:t>
+              <a:t>4</a:t>
             </a:fld>
             <a:endParaRPr lang="en-US"/>
           </a:p>
@@ -1000,7 +1017,7 @@
     </p:spTree>
     <p:extLst>
       <p:ext uri="{BB962C8B-B14F-4D97-AF65-F5344CB8AC3E}">
-        <p14:creationId xmlns:p14="http://schemas.microsoft.com/office/powerpoint/2010/main" val="270080447"/>
+        <p14:creationId xmlns:p14="http://schemas.microsoft.com/office/powerpoint/2010/main" val="3122112589"/>
       </p:ext>
     </p:extLst>
   </p:cSld>
@@ -1055,17 +1072,6 @@
           <a:lstStyle/>
           <a:p>
             <a:pPr lvl="0"/>
-            <a:r>
-              <a:rPr lang="en-US" sz="1000" dirty="0" smtClean="0"/>
-              <a:t>See the full API reference documentation here</a:t>
-            </a:r>
-          </a:p>
-          <a:p>
-            <a:pPr lvl="0"/>
-            <a:r>
-              <a:rPr lang="en-US" sz="1000" dirty="0" smtClean="0"/>
-              <a:t>https://platform.openai.com/docs/guides/gpt/chat-completions-ap</a:t>
-            </a:r>
             <a:endParaRPr lang="en-US" sz="1000" dirty="0"/>
           </a:p>
         </p:txBody>
@@ -1087,7 +1093,7 @@
           <a:p>
             <a:fld id="{8B45500D-B56E-F848-A42C-DA665AA68DBE}" type="slidenum">
               <a:rPr lang="en-US" smtClean="0"/>
-              <a:t>4</a:t>
+              <a:t>5</a:t>
             </a:fld>
             <a:endParaRPr lang="en-US"/>
           </a:p>
@@ -1096,7 +1102,7 @@
     </p:spTree>
     <p:extLst>
       <p:ext uri="{BB962C8B-B14F-4D97-AF65-F5344CB8AC3E}">
-        <p14:creationId xmlns:p14="http://schemas.microsoft.com/office/powerpoint/2010/main" val="3122112589"/>
+        <p14:creationId xmlns:p14="http://schemas.microsoft.com/office/powerpoint/2010/main" val="4156296015"/>
       </p:ext>
     </p:extLst>
   </p:cSld>
@@ -1172,7 +1178,7 @@
           <a:p>
             <a:fld id="{8B45500D-B56E-F848-A42C-DA665AA68DBE}" type="slidenum">
               <a:rPr lang="en-US" smtClean="0"/>
-              <a:t>5</a:t>
+              <a:t>6</a:t>
             </a:fld>
             <a:endParaRPr lang="en-US"/>
           </a:p>
@@ -1181,7 +1187,7 @@
     </p:spTree>
     <p:extLst>
       <p:ext uri="{BB962C8B-B14F-4D97-AF65-F5344CB8AC3E}">
-        <p14:creationId xmlns:p14="http://schemas.microsoft.com/office/powerpoint/2010/main" val="4156296015"/>
+        <p14:creationId xmlns:p14="http://schemas.microsoft.com/office/powerpoint/2010/main" val="2063145714"/>
       </p:ext>
     </p:extLst>
   </p:cSld>
@@ -1235,8 +1241,15 @@
           <a:bodyPr/>
           <a:lstStyle/>
           <a:p>
-            <a:pPr lvl="0"/>
-            <a:endParaRPr lang="en-US" sz="1000" dirty="0"/>
+            <a:endParaRPr lang="en-US" sz="1200" kern="1200" dirty="0" smtClean="0">
+              <a:solidFill>
+                <a:schemeClr val="tx1"/>
+              </a:solidFill>
+              <a:effectLst/>
+              <a:latin typeface="+mn-lt"/>
+              <a:ea typeface="+mn-ea"/>
+              <a:cs typeface="+mn-cs"/>
+            </a:endParaRPr>
           </a:p>
         </p:txBody>
       </p:sp>
@@ -1257,7 +1270,7 @@
           <a:p>
             <a:fld id="{8B45500D-B56E-F848-A42C-DA665AA68DBE}" type="slidenum">
               <a:rPr lang="en-US" smtClean="0"/>
-              <a:t>6</a:t>
+              <a:t>7</a:t>
             </a:fld>
             <a:endParaRPr lang="en-US"/>
           </a:p>
@@ -1266,7 +1279,7 @@
     </p:spTree>
     <p:extLst>
       <p:ext uri="{BB962C8B-B14F-4D97-AF65-F5344CB8AC3E}">
-        <p14:creationId xmlns:p14="http://schemas.microsoft.com/office/powerpoint/2010/main" val="2063145714"/>
+        <p14:creationId xmlns:p14="http://schemas.microsoft.com/office/powerpoint/2010/main" val="2371751554"/>
       </p:ext>
     </p:extLst>
   </p:cSld>
@@ -1349,7 +1362,7 @@
           <a:p>
             <a:fld id="{8B45500D-B56E-F848-A42C-DA665AA68DBE}" type="slidenum">
               <a:rPr lang="en-US" smtClean="0"/>
-              <a:t>7</a:t>
+              <a:t>8</a:t>
             </a:fld>
             <a:endParaRPr lang="en-US"/>
           </a:p>
@@ -1358,7 +1371,7 @@
     </p:spTree>
     <p:extLst>
       <p:ext uri="{BB962C8B-B14F-4D97-AF65-F5344CB8AC3E}">
-        <p14:creationId xmlns:p14="http://schemas.microsoft.com/office/powerpoint/2010/main" val="2371751554"/>
+        <p14:creationId xmlns:p14="http://schemas.microsoft.com/office/powerpoint/2010/main" val="3905621754"/>
       </p:ext>
     </p:extLst>
   </p:cSld>
@@ -1441,7 +1454,7 @@
           <a:p>
             <a:fld id="{8B45500D-B56E-F848-A42C-DA665AA68DBE}" type="slidenum">
               <a:rPr lang="en-US" smtClean="0"/>
-              <a:t>8</a:t>
+              <a:t>9</a:t>
             </a:fld>
             <a:endParaRPr lang="en-US"/>
           </a:p>
@@ -1450,7 +1463,7 @@
     </p:spTree>
     <p:extLst>
       <p:ext uri="{BB962C8B-B14F-4D97-AF65-F5344CB8AC3E}">
-        <p14:creationId xmlns:p14="http://schemas.microsoft.com/office/powerpoint/2010/main" val="3905621754"/>
+        <p14:creationId xmlns:p14="http://schemas.microsoft.com/office/powerpoint/2010/main" val="1204604100"/>
       </p:ext>
     </p:extLst>
   </p:cSld>
@@ -1533,7 +1546,7 @@
           <a:p>
             <a:fld id="{8B45500D-B56E-F848-A42C-DA665AA68DBE}" type="slidenum">
               <a:rPr lang="en-US" smtClean="0"/>
-              <a:t>9</a:t>
+              <a:t>10</a:t>
             </a:fld>
             <a:endParaRPr lang="en-US"/>
           </a:p>
@@ -1542,7 +1555,7 @@
     </p:spTree>
     <p:extLst>
       <p:ext uri="{BB962C8B-B14F-4D97-AF65-F5344CB8AC3E}">
-        <p14:creationId xmlns:p14="http://schemas.microsoft.com/office/powerpoint/2010/main" val="1204604100"/>
+        <p14:creationId xmlns:p14="http://schemas.microsoft.com/office/powerpoint/2010/main" val="3697391676"/>
       </p:ext>
     </p:extLst>
   </p:cSld>
@@ -1625,7 +1638,7 @@
           <a:p>
             <a:fld id="{8B45500D-B56E-F848-A42C-DA665AA68DBE}" type="slidenum">
               <a:rPr lang="en-US" smtClean="0"/>
-              <a:t>10</a:t>
+              <a:t>11</a:t>
             </a:fld>
             <a:endParaRPr lang="en-US"/>
           </a:p>
@@ -1634,7 +1647,7 @@
     </p:spTree>
     <p:extLst>
       <p:ext uri="{BB962C8B-B14F-4D97-AF65-F5344CB8AC3E}">
-        <p14:creationId xmlns:p14="http://schemas.microsoft.com/office/powerpoint/2010/main" val="3697391676"/>
+        <p14:creationId xmlns:p14="http://schemas.microsoft.com/office/powerpoint/2010/main" val="2339996739"/>
       </p:ext>
     </p:extLst>
   </p:cSld>
@@ -2187,274 +2200,6 @@
 </file>
 
 <file path=ppt/slideLayouts/slideLayout12.xml><?xml version="1.0" encoding="utf-8"?>
-<p:sldLayout xmlns:a="http://schemas.openxmlformats.org/drawingml/2006/main" xmlns:r="http://schemas.openxmlformats.org/officeDocument/2006/relationships" xmlns:p="http://schemas.openxmlformats.org/presentationml/2006/main" userDrawn="1">
-  <p:cSld name="Agenda (Bulleted List) - 1 col">
-    <p:spTree>
-      <p:nvGrpSpPr>
-        <p:cNvPr id="1" name=""/>
-        <p:cNvGrpSpPr/>
-        <p:nvPr/>
-      </p:nvGrpSpPr>
-      <p:grpSpPr>
-        <a:xfrm>
-          <a:off x="0" y="0"/>
-          <a:ext cx="0" cy="0"/>
-          <a:chOff x="0" y="0"/>
-          <a:chExt cx="0" cy="0"/>
-        </a:xfrm>
-      </p:grpSpPr>
-      <p:sp>
-        <p:nvSpPr>
-          <p:cNvPr id="4" name="Rectangle 3"/>
-          <p:cNvSpPr/>
-          <p:nvPr userDrawn="1"/>
-        </p:nvSpPr>
-        <p:spPr>
-          <a:xfrm>
-            <a:off x="0" y="1"/>
-            <a:ext cx="12192000" cy="6215882"/>
-          </a:xfrm>
-          <a:prstGeom prst="rect">
-            <a:avLst/>
-          </a:prstGeom>
-          <a:solidFill>
-            <a:schemeClr val="accent1"/>
-          </a:solidFill>
-          <a:ln>
-            <a:noFill/>
-          </a:ln>
-        </p:spPr>
-        <p:style>
-          <a:lnRef idx="1">
-            <a:schemeClr val="accent1"/>
-          </a:lnRef>
-          <a:fillRef idx="3">
-            <a:schemeClr val="accent1"/>
-          </a:fillRef>
-          <a:effectRef idx="2">
-            <a:schemeClr val="accent1"/>
-          </a:effectRef>
-          <a:fontRef idx="minor">
-            <a:schemeClr val="lt1"/>
-          </a:fontRef>
-        </p:style>
-        <p:txBody>
-          <a:bodyPr rtlCol="0" anchor="ctr"/>
-          <a:lstStyle/>
-          <a:p>
-            <a:pPr algn="ctr"/>
-            <a:endParaRPr lang="en-US"/>
-          </a:p>
-        </p:txBody>
-      </p:sp>
-      <p:sp>
-        <p:nvSpPr>
-          <p:cNvPr id="5" name="Title 4"/>
-          <p:cNvSpPr>
-            <a:spLocks noGrp="1"/>
-          </p:cNvSpPr>
-          <p:nvPr>
-            <p:ph type="title" hasCustomPrompt="1"/>
-          </p:nvPr>
-        </p:nvSpPr>
-        <p:spPr/>
-        <p:txBody>
-          <a:bodyPr/>
-          <a:lstStyle>
-            <a:lvl1pPr>
-              <a:defRPr>
-                <a:solidFill>
-                  <a:schemeClr val="bg1"/>
-                </a:solidFill>
-              </a:defRPr>
-            </a:lvl1pPr>
-          </a:lstStyle>
-          <a:p>
-            <a:r>
-              <a:rPr lang="en-US" dirty="0" smtClean="0"/>
-              <a:t>Agenda</a:t>
-            </a:r>
-            <a:endParaRPr lang="en-US" dirty="0"/>
-          </a:p>
-        </p:txBody>
-      </p:sp>
-      <p:sp>
-        <p:nvSpPr>
-          <p:cNvPr id="6" name="Rectangle 5"/>
-          <p:cNvSpPr/>
-          <p:nvPr userDrawn="1"/>
-        </p:nvSpPr>
-        <p:spPr>
-          <a:xfrm rot="5400000">
-            <a:off x="1726079" y="-484676"/>
-            <a:ext cx="137160" cy="1106512"/>
-          </a:xfrm>
-          <a:prstGeom prst="rect">
-            <a:avLst/>
-          </a:prstGeom>
-          <a:solidFill>
-            <a:schemeClr val="tx2"/>
-          </a:solidFill>
-          <a:ln>
-            <a:noFill/>
-          </a:ln>
-        </p:spPr>
-        <p:style>
-          <a:lnRef idx="1">
-            <a:schemeClr val="accent1"/>
-          </a:lnRef>
-          <a:fillRef idx="3">
-            <a:schemeClr val="accent1"/>
-          </a:fillRef>
-          <a:effectRef idx="2">
-            <a:schemeClr val="accent1"/>
-          </a:effectRef>
-          <a:fontRef idx="minor">
-            <a:schemeClr val="lt1"/>
-          </a:fontRef>
-        </p:style>
-        <p:txBody>
-          <a:bodyPr rtlCol="0" anchor="ctr"/>
-          <a:lstStyle/>
-          <a:p>
-            <a:pPr algn="ctr"/>
-            <a:endParaRPr lang="en-US"/>
-          </a:p>
-        </p:txBody>
-      </p:sp>
-      <p:sp>
-        <p:nvSpPr>
-          <p:cNvPr id="7" name="Content Placeholder 2"/>
-          <p:cNvSpPr>
-            <a:spLocks noGrp="1"/>
-          </p:cNvSpPr>
-          <p:nvPr>
-            <p:ph idx="10"/>
-          </p:nvPr>
-        </p:nvSpPr>
-        <p:spPr>
-          <a:xfrm>
-            <a:off x="1241402" y="1197863"/>
-            <a:ext cx="9701784" cy="4864608"/>
-          </a:xfrm>
-        </p:spPr>
-        <p:txBody>
-          <a:bodyPr lIns="0" tIns="0" rIns="0" bIns="0" numCol="1" spcCol="457200"/>
-          <a:lstStyle>
-            <a:lvl1pPr>
-              <a:lnSpc>
-                <a:spcPct val="100000"/>
-              </a:lnSpc>
-              <a:defRPr>
-                <a:solidFill>
-                  <a:schemeClr val="bg1"/>
-                </a:solidFill>
-              </a:defRPr>
-            </a:lvl1pPr>
-            <a:lvl2pPr>
-              <a:lnSpc>
-                <a:spcPct val="101000"/>
-              </a:lnSpc>
-              <a:defRPr>
-                <a:solidFill>
-                  <a:schemeClr val="bg1"/>
-                </a:solidFill>
-              </a:defRPr>
-            </a:lvl2pPr>
-            <a:lvl3pPr>
-              <a:lnSpc>
-                <a:spcPct val="101000"/>
-              </a:lnSpc>
-              <a:defRPr>
-                <a:solidFill>
-                  <a:schemeClr val="bg1"/>
-                </a:solidFill>
-              </a:defRPr>
-            </a:lvl3pPr>
-            <a:lvl4pPr>
-              <a:lnSpc>
-                <a:spcPct val="102000"/>
-              </a:lnSpc>
-              <a:defRPr>
-                <a:solidFill>
-                  <a:schemeClr val="bg1"/>
-                </a:solidFill>
-              </a:defRPr>
-            </a:lvl4pPr>
-            <a:lvl5pPr>
-              <a:lnSpc>
-                <a:spcPct val="114000"/>
-              </a:lnSpc>
-              <a:defRPr>
-                <a:solidFill>
-                  <a:srgbClr val="FFFFFF"/>
-                </a:solidFill>
-              </a:defRPr>
-            </a:lvl5pPr>
-          </a:lstStyle>
-          <a:p>
-            <a:pPr lvl="0"/>
-            <a:r>
-              <a:rPr lang="en-US" smtClean="0"/>
-              <a:t>Edit Master text styles</a:t>
-            </a:r>
-          </a:p>
-          <a:p>
-            <a:pPr lvl="1"/>
-            <a:r>
-              <a:rPr lang="en-US" smtClean="0"/>
-              <a:t>Second level</a:t>
-            </a:r>
-          </a:p>
-          <a:p>
-            <a:pPr lvl="2"/>
-            <a:r>
-              <a:rPr lang="en-US" smtClean="0"/>
-              <a:t>Third level</a:t>
-            </a:r>
-          </a:p>
-          <a:p>
-            <a:pPr lvl="3"/>
-            <a:r>
-              <a:rPr lang="en-US" smtClean="0"/>
-              <a:t>Fourth level</a:t>
-            </a:r>
-          </a:p>
-        </p:txBody>
-      </p:sp>
-    </p:spTree>
-    <p:extLst>
-      <p:ext uri="{BB962C8B-B14F-4D97-AF65-F5344CB8AC3E}">
-        <p14:creationId xmlns:p14="http://schemas.microsoft.com/office/powerpoint/2010/main" val="3258022868"/>
-      </p:ext>
-    </p:extLst>
-  </p:cSld>
-  <p:clrMapOvr>
-    <a:masterClrMapping/>
-  </p:clrMapOvr>
-  <mc:AlternateContent xmlns:mc="http://schemas.openxmlformats.org/markup-compatibility/2006" xmlns:p14="http://schemas.microsoft.com/office/powerpoint/2010/main">
-    <mc:Choice Requires="p14">
-      <p:transition spd="med" p14:dur="700">
-        <p:fade/>
-      </p:transition>
-    </mc:Choice>
-    <mc:Fallback xmlns="">
-      <p:transition xmlns:p14="http://schemas.microsoft.com/office/powerpoint/2010/main" spd="med">
-        <p:fade/>
-      </p:transition>
-    </mc:Fallback>
-  </mc:AlternateContent>
-  <p:timing>
-    <p:tnLst>
-      <p:par>
-        <p:cTn id="1" dur="indefinite" restart="never" nodeType="tmRoot"/>
-      </p:par>
-    </p:tnLst>
-  </p:timing>
-</p:sldLayout>
-</file>
-
-<file path=ppt/slideLayouts/slideLayout13.xml><?xml version="1.0" encoding="utf-8"?>
 <p:sldLayout xmlns:a="http://schemas.openxmlformats.org/drawingml/2006/main" xmlns:r="http://schemas.openxmlformats.org/officeDocument/2006/relationships" xmlns:p="http://schemas.openxmlformats.org/presentationml/2006/main" userDrawn="1">
   <p:cSld name="Bulleted List with Heading">
     <p:spTree>
@@ -2692,7 +2437,7 @@
 </p:sldLayout>
 </file>
 
-<file path=ppt/slideLayouts/slideLayout14.xml><?xml version="1.0" encoding="utf-8"?>
+<file path=ppt/slideLayouts/slideLayout13.xml><?xml version="1.0" encoding="utf-8"?>
 <p:sldLayout xmlns:a="http://schemas.openxmlformats.org/drawingml/2006/main" xmlns:r="http://schemas.openxmlformats.org/officeDocument/2006/relationships" xmlns:p="http://schemas.openxmlformats.org/presentationml/2006/main" userDrawn="1">
   <p:cSld name="Numbered List with Heading">
     <p:spTree>
@@ -2917,383 +2662,6 @@
     <p:extLst>
       <p:ext uri="{BB962C8B-B14F-4D97-AF65-F5344CB8AC3E}">
         <p14:creationId xmlns:p14="http://schemas.microsoft.com/office/powerpoint/2010/main" val="1708123288"/>
-      </p:ext>
-    </p:extLst>
-  </p:cSld>
-  <p:clrMapOvr>
-    <a:masterClrMapping/>
-  </p:clrMapOvr>
-  <mc:AlternateContent xmlns:mc="http://schemas.openxmlformats.org/markup-compatibility/2006" xmlns:p14="http://schemas.microsoft.com/office/powerpoint/2010/main">
-    <mc:Choice Requires="p14">
-      <p:transition spd="med" p14:dur="700">
-        <p:fade/>
-      </p:transition>
-    </mc:Choice>
-    <mc:Fallback xmlns="">
-      <p:transition xmlns:p14="http://schemas.microsoft.com/office/powerpoint/2010/main" spd="med">
-        <p:fade/>
-      </p:transition>
-    </mc:Fallback>
-  </mc:AlternateContent>
-  <p:timing>
-    <p:tnLst>
-      <p:par>
-        <p:cTn id="1" dur="indefinite" restart="never" nodeType="tmRoot"/>
-      </p:par>
-    </p:tnLst>
-  </p:timing>
-</p:sldLayout>
-</file>
-
-<file path=ppt/slideLayouts/slideLayout15.xml><?xml version="1.0" encoding="utf-8"?>
-<p:sldLayout xmlns:a="http://schemas.openxmlformats.org/drawingml/2006/main" xmlns:r="http://schemas.openxmlformats.org/officeDocument/2006/relationships" xmlns:p="http://schemas.openxmlformats.org/presentationml/2006/main" userDrawn="1">
-  <p:cSld name="QA">
-    <p:spTree>
-      <p:nvGrpSpPr>
-        <p:cNvPr id="1" name=""/>
-        <p:cNvGrpSpPr/>
-        <p:nvPr/>
-      </p:nvGrpSpPr>
-      <p:grpSpPr>
-        <a:xfrm>
-          <a:off x="0" y="0"/>
-          <a:ext cx="0" cy="0"/>
-          <a:chOff x="0" y="0"/>
-          <a:chExt cx="0" cy="0"/>
-        </a:xfrm>
-      </p:grpSpPr>
-      <p:sp>
-        <p:nvSpPr>
-          <p:cNvPr id="5" name="Rectangle 4"/>
-          <p:cNvSpPr/>
-          <p:nvPr userDrawn="1"/>
-        </p:nvSpPr>
-        <p:spPr>
-          <a:xfrm>
-            <a:off x="-73095" y="-82226"/>
-            <a:ext cx="12338190" cy="7022452"/>
-          </a:xfrm>
-          <a:prstGeom prst="rect">
-            <a:avLst/>
-          </a:prstGeom>
-          <a:solidFill>
-            <a:schemeClr val="tx2"/>
-          </a:solidFill>
-          <a:ln>
-            <a:noFill/>
-          </a:ln>
-        </p:spPr>
-        <p:style>
-          <a:lnRef idx="1">
-            <a:schemeClr val="accent1"/>
-          </a:lnRef>
-          <a:fillRef idx="3">
-            <a:schemeClr val="accent1"/>
-          </a:fillRef>
-          <a:effectRef idx="2">
-            <a:schemeClr val="accent1"/>
-          </a:effectRef>
-          <a:fontRef idx="minor">
-            <a:schemeClr val="lt1"/>
-          </a:fontRef>
-        </p:style>
-        <p:txBody>
-          <a:bodyPr rtlCol="0" anchor="ctr"/>
-          <a:lstStyle/>
-          <a:p>
-            <a:pPr algn="ctr"/>
-            <a:endParaRPr lang="en-US" dirty="0"/>
-          </a:p>
-        </p:txBody>
-      </p:sp>
-      <p:sp>
-        <p:nvSpPr>
-          <p:cNvPr id="4" name="TextBox 3"/>
-          <p:cNvSpPr txBox="1"/>
-          <p:nvPr userDrawn="1"/>
-        </p:nvSpPr>
-        <p:spPr>
-          <a:xfrm>
-            <a:off x="4002346" y="2176992"/>
-            <a:ext cx="4187309" cy="938719"/>
-          </a:xfrm>
-          <a:prstGeom prst="rect">
-            <a:avLst/>
-          </a:prstGeom>
-          <a:noFill/>
-        </p:spPr>
-        <p:txBody>
-          <a:bodyPr wrap="square" rtlCol="0">
-            <a:noAutofit/>
-          </a:bodyPr>
-          <a:lstStyle/>
-          <a:p>
-            <a:pPr algn="ctr"/>
-            <a:r>
-              <a:rPr lang="en-US" sz="5500" dirty="0" smtClean="0">
-                <a:solidFill>
-                  <a:schemeClr val="bg2"/>
-                </a:solidFill>
-              </a:rPr>
-              <a:t>Q&amp;A</a:t>
-            </a:r>
-            <a:endParaRPr lang="en-US" sz="5500" dirty="0">
-              <a:solidFill>
-                <a:schemeClr val="bg2"/>
-              </a:solidFill>
-            </a:endParaRPr>
-          </a:p>
-        </p:txBody>
-      </p:sp>
-      <p:sp>
-        <p:nvSpPr>
-          <p:cNvPr id="8" name="Date Placeholder 3"/>
-          <p:cNvSpPr txBox="1">
-            <a:spLocks/>
-          </p:cNvSpPr>
-          <p:nvPr userDrawn="1"/>
-        </p:nvSpPr>
-        <p:spPr>
-          <a:xfrm>
-            <a:off x="5546725" y="6406217"/>
-            <a:ext cx="5400676" cy="292388"/>
-          </a:xfrm>
-          <a:prstGeom prst="rect">
-            <a:avLst/>
-          </a:prstGeom>
-        </p:spPr>
-        <p:txBody>
-          <a:bodyPr vert="horz" wrap="square" lIns="0" tIns="0" rIns="0" bIns="0" rtlCol="0" anchor="t">
-            <a:noAutofit/>
-          </a:bodyPr>
-          <a:lstStyle>
-            <a:defPPr>
-              <a:defRPr lang="en-US"/>
-            </a:defPPr>
-            <a:lvl1pPr marL="0" algn="l" defTabSz="914400" rtl="0" eaLnBrk="1" latinLnBrk="0" hangingPunct="1">
-              <a:defRPr sz="900" kern="1200">
-                <a:solidFill>
-                  <a:schemeClr val="tx1">
-                    <a:tint val="75000"/>
-                  </a:schemeClr>
-                </a:solidFill>
-                <a:latin typeface="Gibson"/>
-                <a:ea typeface="+mn-ea"/>
-                <a:cs typeface="Gibson"/>
-              </a:defRPr>
-            </a:lvl1pPr>
-            <a:lvl2pPr marL="457200" algn="l" defTabSz="914400" rtl="0" eaLnBrk="1" latinLnBrk="0" hangingPunct="1">
-              <a:defRPr sz="1800" kern="1200">
-                <a:solidFill>
-                  <a:schemeClr val="tx1"/>
-                </a:solidFill>
-                <a:latin typeface="+mn-lt"/>
-                <a:ea typeface="+mn-ea"/>
-                <a:cs typeface="+mn-cs"/>
-              </a:defRPr>
-            </a:lvl2pPr>
-            <a:lvl3pPr marL="914400" algn="l" defTabSz="914400" rtl="0" eaLnBrk="1" latinLnBrk="0" hangingPunct="1">
-              <a:defRPr sz="1800" kern="1200">
-                <a:solidFill>
-                  <a:schemeClr val="tx1"/>
-                </a:solidFill>
-                <a:latin typeface="+mn-lt"/>
-                <a:ea typeface="+mn-ea"/>
-                <a:cs typeface="+mn-cs"/>
-              </a:defRPr>
-            </a:lvl3pPr>
-            <a:lvl4pPr marL="1371600" algn="l" defTabSz="914400" rtl="0" eaLnBrk="1" latinLnBrk="0" hangingPunct="1">
-              <a:defRPr sz="1800" kern="1200">
-                <a:solidFill>
-                  <a:schemeClr val="tx1"/>
-                </a:solidFill>
-                <a:latin typeface="+mn-lt"/>
-                <a:ea typeface="+mn-ea"/>
-                <a:cs typeface="+mn-cs"/>
-              </a:defRPr>
-            </a:lvl4pPr>
-            <a:lvl5pPr marL="1828800" algn="l" defTabSz="914400" rtl="0" eaLnBrk="1" latinLnBrk="0" hangingPunct="1">
-              <a:defRPr sz="1800" kern="1200">
-                <a:solidFill>
-                  <a:schemeClr val="tx1"/>
-                </a:solidFill>
-                <a:latin typeface="+mn-lt"/>
-                <a:ea typeface="+mn-ea"/>
-                <a:cs typeface="+mn-cs"/>
-              </a:defRPr>
-            </a:lvl5pPr>
-            <a:lvl6pPr marL="2286000" algn="l" defTabSz="914400" rtl="0" eaLnBrk="1" latinLnBrk="0" hangingPunct="1">
-              <a:defRPr sz="1800" kern="1200">
-                <a:solidFill>
-                  <a:schemeClr val="tx1"/>
-                </a:solidFill>
-                <a:latin typeface="+mn-lt"/>
-                <a:ea typeface="+mn-ea"/>
-                <a:cs typeface="+mn-cs"/>
-              </a:defRPr>
-            </a:lvl6pPr>
-            <a:lvl7pPr marL="2743200" algn="l" defTabSz="914400" rtl="0" eaLnBrk="1" latinLnBrk="0" hangingPunct="1">
-              <a:defRPr sz="1800" kern="1200">
-                <a:solidFill>
-                  <a:schemeClr val="tx1"/>
-                </a:solidFill>
-                <a:latin typeface="+mn-lt"/>
-                <a:ea typeface="+mn-ea"/>
-                <a:cs typeface="+mn-cs"/>
-              </a:defRPr>
-            </a:lvl7pPr>
-            <a:lvl8pPr marL="3200400" algn="l" defTabSz="914400" rtl="0" eaLnBrk="1" latinLnBrk="0" hangingPunct="1">
-              <a:defRPr sz="1800" kern="1200">
-                <a:solidFill>
-                  <a:schemeClr val="tx1"/>
-                </a:solidFill>
-                <a:latin typeface="+mn-lt"/>
-                <a:ea typeface="+mn-ea"/>
-                <a:cs typeface="+mn-cs"/>
-              </a:defRPr>
-            </a:lvl8pPr>
-            <a:lvl9pPr marL="3657600" algn="l" defTabSz="914400" rtl="0" eaLnBrk="1" latinLnBrk="0" hangingPunct="1">
-              <a:defRPr sz="1800" kern="1200">
-                <a:solidFill>
-                  <a:schemeClr val="tx1"/>
-                </a:solidFill>
-                <a:latin typeface="+mn-lt"/>
-                <a:ea typeface="+mn-ea"/>
-                <a:cs typeface="+mn-cs"/>
-              </a:defRPr>
-            </a:lvl9pPr>
-          </a:lstStyle>
-          <a:p>
-            <a:pPr algn="l">
-              <a:spcAft>
-                <a:spcPts val="0"/>
-              </a:spcAft>
-            </a:pPr>
-            <a:r>
-              <a:rPr lang="en-US" sz="700" kern="1200" spc="0" baseline="0" dirty="0" smtClean="0">
-                <a:solidFill>
-                  <a:schemeClr val="accent4"/>
-                </a:solidFill>
-                <a:effectLst/>
-                <a:latin typeface="+mn-lt"/>
-                <a:ea typeface="+mn-ea"/>
-                <a:cs typeface="Gibson"/>
-              </a:rPr>
-              <a:t>© 2023 </a:t>
-            </a:r>
-            <a:r>
-              <a:rPr lang="en-US" sz="700" kern="1200" spc="0" baseline="0" dirty="0" err="1" smtClean="0">
-                <a:solidFill>
-                  <a:schemeClr val="accent4"/>
-                </a:solidFill>
-                <a:effectLst/>
-                <a:latin typeface="+mn-lt"/>
-                <a:ea typeface="+mn-ea"/>
-                <a:cs typeface="Gibson"/>
-              </a:rPr>
-              <a:t>NetCracker</a:t>
-            </a:r>
-            <a:r>
-              <a:rPr lang="en-US" sz="700" kern="1200" spc="0" baseline="0" dirty="0" smtClean="0">
-                <a:solidFill>
-                  <a:schemeClr val="accent4"/>
-                </a:solidFill>
-                <a:effectLst/>
-                <a:latin typeface="+mn-lt"/>
-                <a:ea typeface="+mn-ea"/>
-                <a:cs typeface="Gibson"/>
-              </a:rPr>
-              <a:t> Technology Corporation.</a:t>
-            </a:r>
-            <a:endParaRPr lang="ru-RU" sz="700" kern="1200" spc="0" baseline="0" dirty="0" smtClean="0">
-              <a:solidFill>
-                <a:schemeClr val="accent4"/>
-              </a:solidFill>
-              <a:effectLst/>
-              <a:latin typeface="+mn-lt"/>
-              <a:ea typeface="+mn-ea"/>
-              <a:cs typeface="Gibson"/>
-            </a:endParaRPr>
-          </a:p>
-          <a:p>
-            <a:pPr algn="l">
-              <a:spcBef>
-                <a:spcPts val="100"/>
-              </a:spcBef>
-              <a:spcAft>
-                <a:spcPts val="0"/>
-              </a:spcAft>
-            </a:pPr>
-            <a:r>
-              <a:rPr lang="en-US" sz="600" kern="1200" spc="0" baseline="0" dirty="0" smtClean="0">
-                <a:solidFill>
-                  <a:schemeClr val="accent4"/>
-                </a:solidFill>
-                <a:effectLst/>
-                <a:latin typeface="+mn-lt"/>
-                <a:ea typeface="+mn-ea"/>
-                <a:cs typeface="Gibson"/>
-              </a:rPr>
-              <a:t>NETCRACKER CONFIDENTIAL AND PROPRIETARY. </a:t>
-            </a:r>
-            <a:r>
-              <a:rPr lang="en-US" sz="600" kern="1200" spc="0" dirty="0" smtClean="0">
-                <a:solidFill>
-                  <a:schemeClr val="accent4"/>
-                </a:solidFill>
-                <a:effectLst/>
-                <a:latin typeface="+mn-lt"/>
-                <a:ea typeface="+mn-ea"/>
-                <a:cs typeface="Gibson"/>
-              </a:rPr>
-              <a:t>This document contains proprietary and confidential information that may not be reproduced or disclosed to individuals that do not have a need to know. Disclose and distribute solely to those individuals that have a need to know.</a:t>
-            </a:r>
-            <a:endParaRPr lang="en-US" sz="600" kern="1200" spc="0" dirty="0">
-              <a:solidFill>
-                <a:schemeClr val="accent4"/>
-              </a:solidFill>
-              <a:effectLst/>
-              <a:latin typeface="+mn-lt"/>
-              <a:ea typeface="+mn-ea"/>
-              <a:cs typeface="Gibson"/>
-            </a:endParaRPr>
-          </a:p>
-        </p:txBody>
-      </p:sp>
-      <p:pic>
-        <p:nvPicPr>
-          <p:cNvPr id="9" name="Picture 8"/>
-          <p:cNvPicPr>
-            <a:picLocks noChangeAspect="1"/>
-          </p:cNvPicPr>
-          <p:nvPr userDrawn="1"/>
-        </p:nvPicPr>
-        <p:blipFill>
-          <a:blip r:embed="rId2" cstate="print">
-            <a:extLst>
-              <a:ext uri="{28A0092B-C50C-407E-A947-70E740481C1C}">
-                <a14:useLocalDpi xmlns:a14="http://schemas.microsoft.com/office/drawing/2010/main" val="0"/>
-              </a:ext>
-            </a:extLst>
-          </a:blip>
-          <a:stretch>
-            <a:fillRect/>
-          </a:stretch>
-        </p:blipFill>
-        <p:spPr>
-          <a:xfrm>
-            <a:off x="640469" y="6419088"/>
-            <a:ext cx="1200000" cy="234000"/>
-          </a:xfrm>
-          <a:prstGeom prst="rect">
-            <a:avLst/>
-          </a:prstGeom>
-        </p:spPr>
-      </p:pic>
-    </p:spTree>
-    <p:extLst>
-      <p:ext uri="{BB962C8B-B14F-4D97-AF65-F5344CB8AC3E}">
-        <p14:creationId xmlns:p14="http://schemas.microsoft.com/office/powerpoint/2010/main" val="3761835004"/>
       </p:ext>
     </p:extLst>
   </p:cSld>
@@ -5336,10 +4704,8 @@
     <p:sldLayoutId id="2147483657" r:id="rId9"/>
     <p:sldLayoutId id="2147483658" r:id="rId10"/>
     <p:sldLayoutId id="2147483659" r:id="rId11"/>
-    <p:sldLayoutId id="2147483660" r:id="rId12"/>
-    <p:sldLayoutId id="2147483661" r:id="rId13"/>
-    <p:sldLayoutId id="2147483662" r:id="rId14"/>
-    <p:sldLayoutId id="2147483663" r:id="rId15"/>
+    <p:sldLayoutId id="2147483661" r:id="rId12"/>
+    <p:sldLayoutId id="2147483662" r:id="rId13"/>
   </p:sldLayoutIdLst>
   <p:txStyles>
     <p:titleStyle>
@@ -5725,6 +5091,13 @@
   <p:clrMapOvr>
     <a:masterClrMapping/>
   </p:clrMapOvr>
+  <p:timing>
+    <p:tnLst>
+      <p:par>
+        <p:cTn id="1" dur="indefinite" restart="never" nodeType="tmRoot"/>
+      </p:par>
+    </p:tnLst>
+  </p:timing>
 </p:sld>
 </file>
 
@@ -6967,9 +6340,10 @@
           <a:lstStyle/>
           <a:p>
             <a:r>
-              <a:rPr lang="en-US" dirty="0"/>
-              <a:t>Summary</a:t>
-            </a:r>
+              <a:rPr lang="ru-RU" dirty="0" smtClean="0"/>
+              <a:t>Выводы</a:t>
+            </a:r>
+            <a:endParaRPr lang="en-US" dirty="0"/>
           </a:p>
         </p:txBody>
       </p:sp>
@@ -7004,78 +6378,131 @@
               <a:buFont typeface="Arial" panose="020B0604020202020204" pitchFamily="34" charset="0"/>
               <a:buChar char="•"/>
             </a:pPr>
-            <a:endParaRPr lang="ru-RU" sz="2000" dirty="0" smtClean="0">
-              <a:solidFill>
-                <a:srgbClr val="617085"/>
-              </a:solidFill>
-              <a:latin typeface="+mj-lt"/>
-              <a:ea typeface="Century Gothic"/>
-              <a:cs typeface="Century Gothic"/>
-            </a:endParaRPr>
-          </a:p>
-          <a:p>
-            <a:pPr>
+            <a:r>
+              <a:rPr lang="ru-RU" sz="3200" dirty="0"/>
+              <a:t>Для интеграции с языковой моделью нужно использовать API.</a:t>
+            </a:r>
+          </a:p>
+          <a:p>
+            <a:pPr marL="342900" lvl="0" indent="-342900">
               <a:lnSpc>
-                <a:spcPct val="150000"/>
+                <a:spcPct val="110000"/>
               </a:lnSpc>
+              <a:buClr>
+                <a:srgbClr val="0C60C6"/>
+              </a:buClr>
+              <a:buSzPts val="2640"/>
+              <a:buFont typeface="Arial" panose="020B0604020202020204" pitchFamily="34" charset="0"/>
+              <a:buChar char="•"/>
             </a:pPr>
             <a:r>
-              <a:rPr lang="en-US" sz="3200" dirty="0" err="1"/>
+              <a:rPr lang="ru-RU" sz="3200" dirty="0"/>
+              <a:t>Нужно составить </a:t>
+            </a:r>
+            <a:r>
+              <a:rPr lang="ru-RU" sz="3200" dirty="0" err="1"/>
+              <a:t>Промт</a:t>
+            </a:r>
+            <a:r>
+              <a:rPr lang="ru-RU" sz="3200" dirty="0"/>
+              <a:t> и Базу знаний.</a:t>
+            </a:r>
+          </a:p>
+          <a:p>
+            <a:pPr marL="342900" lvl="0" indent="-342900">
+              <a:lnSpc>
+                <a:spcPct val="110000"/>
+              </a:lnSpc>
+              <a:buClr>
+                <a:srgbClr val="0C60C6"/>
+              </a:buClr>
+              <a:buSzPts val="2640"/>
+              <a:buFont typeface="Arial" panose="020B0604020202020204" pitchFamily="34" charset="0"/>
+              <a:buChar char="•"/>
+            </a:pPr>
+            <a:r>
+              <a:rPr lang="ru-RU" sz="3200" dirty="0"/>
+              <a:t>Телеграмм бот - очень простой способ интеграции.</a:t>
+            </a:r>
+          </a:p>
+          <a:p>
+            <a:pPr marL="342900" lvl="0" indent="-342900">
+              <a:lnSpc>
+                <a:spcPct val="110000"/>
+              </a:lnSpc>
+              <a:buClr>
+                <a:srgbClr val="0C60C6"/>
+              </a:buClr>
+              <a:buSzPts val="2640"/>
+              <a:buFont typeface="Arial" panose="020B0604020202020204" pitchFamily="34" charset="0"/>
+              <a:buChar char="•"/>
+            </a:pPr>
+            <a:r>
+              <a:rPr lang="ru-RU" sz="3200" dirty="0"/>
+              <a:t>Кроме </a:t>
+            </a:r>
+            <a:r>
+              <a:rPr lang="ru-RU" sz="3200" dirty="0" err="1"/>
               <a:t>ChatGPT</a:t>
             </a:r>
             <a:r>
-              <a:rPr lang="en-US" sz="3200" dirty="0"/>
-              <a:t> API is key point to integrated application.</a:t>
-            </a:r>
-          </a:p>
-          <a:p>
-            <a:pPr>
+              <a:rPr lang="ru-RU" sz="3200" dirty="0"/>
+              <a:t> есть и другие модели, например семейство моделей </a:t>
+            </a:r>
+            <a:r>
+              <a:rPr lang="ru-RU" sz="3200" dirty="0" err="1"/>
+              <a:t>Llama</a:t>
+            </a:r>
+            <a:r>
+              <a:rPr lang="ru-RU" sz="3200" dirty="0"/>
+              <a:t> (</a:t>
+            </a:r>
+            <a:r>
+              <a:rPr lang="ru-RU" sz="3200" dirty="0" err="1"/>
+              <a:t>Llama-cpp</a:t>
+            </a:r>
+            <a:r>
+              <a:rPr lang="ru-RU" sz="3200" dirty="0"/>
+              <a:t>, </a:t>
+            </a:r>
+            <a:r>
+              <a:rPr lang="ru-RU" sz="3200" dirty="0" err="1"/>
+              <a:t>Alpaca</a:t>
+            </a:r>
+            <a:r>
+              <a:rPr lang="ru-RU" sz="3200" dirty="0"/>
+              <a:t>, </a:t>
+            </a:r>
+            <a:r>
+              <a:rPr lang="ru-RU" sz="3200" dirty="0" err="1"/>
+              <a:t>Saiga</a:t>
+            </a:r>
+            <a:r>
+              <a:rPr lang="ru-RU" sz="3200" dirty="0"/>
+              <a:t>, </a:t>
+            </a:r>
+            <a:r>
+              <a:rPr lang="ru-RU" sz="3200" dirty="0" err="1"/>
+              <a:t>Vicuna</a:t>
+            </a:r>
+            <a:r>
+              <a:rPr lang="ru-RU" sz="3200" dirty="0"/>
+              <a:t>) - их можно запускать локально.</a:t>
+            </a:r>
+          </a:p>
+          <a:p>
+            <a:pPr marL="342900" lvl="0" indent="-342900">
               <a:lnSpc>
-                <a:spcPct val="150000"/>
+                <a:spcPct val="110000"/>
               </a:lnSpc>
+              <a:buClr>
+                <a:srgbClr val="0C60C6"/>
+              </a:buClr>
+              <a:buSzPts val="2640"/>
+              <a:buFont typeface="Arial" panose="020B0604020202020204" pitchFamily="34" charset="0"/>
+              <a:buChar char="•"/>
             </a:pPr>
-            <a:r>
-              <a:rPr lang="en-US" sz="3200" dirty="0"/>
-              <a:t>Need your own Knowledge Base.</a:t>
-            </a:r>
-          </a:p>
-          <a:p>
-            <a:pPr>
-              <a:lnSpc>
-                <a:spcPct val="150000"/>
-              </a:lnSpc>
-            </a:pPr>
-            <a:r>
-              <a:rPr lang="en-US" sz="3200" dirty="0"/>
-              <a:t>Telegram bot is the easiest integration.</a:t>
-            </a:r>
-          </a:p>
-          <a:p>
-            <a:pPr>
-              <a:lnSpc>
-                <a:spcPct val="150000"/>
-              </a:lnSpc>
-            </a:pPr>
-            <a:r>
-              <a:rPr lang="en-US" sz="3200" dirty="0"/>
-              <a:t>Other LLM is Llama models family: Llama-</a:t>
-            </a:r>
-            <a:r>
-              <a:rPr lang="en-US" sz="3200" dirty="0" err="1"/>
-              <a:t>cpp</a:t>
-            </a:r>
-            <a:r>
-              <a:rPr lang="en-US" sz="3200" dirty="0"/>
-              <a:t>, Alpaca, </a:t>
-            </a:r>
-            <a:r>
-              <a:rPr lang="en-US" sz="3200" dirty="0" err="1"/>
-              <a:t>Saiga</a:t>
-            </a:r>
-            <a:r>
-              <a:rPr lang="en-US" sz="3200" dirty="0"/>
-              <a:t>, Vicuna.</a:t>
-            </a:r>
+            <a:endParaRPr lang="en-US" sz="3200" dirty="0"/>
           </a:p>
         </p:txBody>
       </p:sp>
@@ -7128,10 +6555,64 @@
           <a:chExt cx="0" cy="0"/>
         </a:xfrm>
       </p:grpSpPr>
+      <p:sp>
+        <p:nvSpPr>
+          <p:cNvPr id="4" name="Content Placeholder 3"/>
+          <p:cNvSpPr>
+            <a:spLocks noGrp="1"/>
+          </p:cNvSpPr>
+          <p:nvPr>
+            <p:ph idx="15"/>
+          </p:nvPr>
+        </p:nvSpPr>
+        <p:spPr>
+          <a:xfrm>
+            <a:off x="2544792" y="3105509"/>
+            <a:ext cx="6052032" cy="1130061"/>
+          </a:xfrm>
+        </p:spPr>
+        <p:txBody>
+          <a:bodyPr>
+            <a:normAutofit/>
+          </a:bodyPr>
+          <a:lstStyle/>
+          <a:p>
+            <a:pPr marL="0" lvl="0" indent="0">
+              <a:lnSpc>
+                <a:spcPct val="110000"/>
+              </a:lnSpc>
+              <a:buClr>
+                <a:srgbClr val="0C60C6"/>
+              </a:buClr>
+              <a:buSzPts val="2640"/>
+              <a:buNone/>
+            </a:pPr>
+            <a:r>
+              <a:rPr lang="ru-RU" sz="4000" dirty="0" smtClean="0">
+                <a:solidFill>
+                  <a:srgbClr val="617085"/>
+                </a:solidFill>
+                <a:latin typeface="+mj-lt"/>
+                <a:ea typeface="Century Gothic"/>
+                <a:cs typeface="Century Gothic"/>
+              </a:rPr>
+              <a:t>Вопросы?</a:t>
+            </a:r>
+            <a:endParaRPr lang="ru-RU" sz="4000" dirty="0" smtClean="0">
+              <a:solidFill>
+                <a:srgbClr val="617085"/>
+              </a:solidFill>
+              <a:latin typeface="+mj-lt"/>
+              <a:ea typeface="Century Gothic"/>
+              <a:cs typeface="Century Gothic"/>
+            </a:endParaRPr>
+          </a:p>
+        </p:txBody>
+      </p:sp>
     </p:spTree>
     <p:extLst>
       <p:ext uri="{BB962C8B-B14F-4D97-AF65-F5344CB8AC3E}">
-        <p14:creationId xmlns:p14="http://schemas.microsoft.com/office/powerpoint/2010/main" val="2526182319"/>
+        <p14:creationId xmlns:p14="http://schemas.microsoft.com/office/powerpoint/2010/main" val="786669917"/>
       </p:ext>
     </p:extLst>
   </p:cSld>
@@ -7179,7 +6660,7 @@
       </p:grpSpPr>
       <p:sp>
         <p:nvSpPr>
-          <p:cNvPr id="2" name="Title 1"/>
+          <p:cNvPr id="3" name="Title 2"/>
           <p:cNvSpPr>
             <a:spLocks noGrp="1"/>
           </p:cNvSpPr>
@@ -7192,90 +6673,90 @@
           <a:bodyPr/>
           <a:lstStyle/>
           <a:p>
+            <a:r>
+              <a:rPr lang="ru-RU" dirty="0" smtClean="0"/>
+              <a:t>Содержание</a:t>
+            </a:r>
             <a:endParaRPr lang="en-US" dirty="0"/>
           </a:p>
         </p:txBody>
       </p:sp>
       <p:sp>
         <p:nvSpPr>
-          <p:cNvPr id="3" name="Content Placeholder 2"/>
-          <p:cNvSpPr>
-            <a:spLocks noGrp="1"/>
-          </p:cNvSpPr>
-          <p:nvPr>
-            <p:ph idx="10"/>
-          </p:nvPr>
+          <p:cNvPr id="5" name="Rectangle 4"/>
+          <p:cNvSpPr/>
+          <p:nvPr/>
         </p:nvSpPr>
         <p:spPr>
           <a:xfrm>
-            <a:off x="1241402" y="2122097"/>
-            <a:ext cx="9701784" cy="3940373"/>
+            <a:off x="2199736" y="2060130"/>
+            <a:ext cx="6694098" cy="3539430"/>
           </a:xfrm>
+          <a:prstGeom prst="rect">
+            <a:avLst/>
+          </a:prstGeom>
         </p:spPr>
         <p:txBody>
-          <a:bodyPr/>
-          <a:lstStyle/>
-          <a:p>
-            <a:r>
-              <a:rPr lang="en-US" sz="2400" dirty="0"/>
-              <a:t>Overview</a:t>
-            </a:r>
-          </a:p>
-          <a:p>
-            <a:r>
-              <a:rPr lang="ru-RU" dirty="0"/>
-              <a:t>Шаг 1. Простой запрос. </a:t>
-            </a:r>
-            <a:r>
-              <a:rPr lang="ru-RU" dirty="0" smtClean="0"/>
-              <a:t>API</a:t>
-            </a:r>
-            <a:endParaRPr lang="en-US" dirty="0" smtClean="0"/>
-          </a:p>
-          <a:p>
-            <a:r>
-              <a:rPr lang="ru-RU" sz="2400" dirty="0"/>
+          <a:bodyPr wrap="square">
+            <a:spAutoFit/>
+          </a:bodyPr>
+          <a:lstStyle/>
+          <a:p>
+            <a:r>
+              <a:rPr lang="ru-RU" sz="3200" dirty="0"/>
+              <a:t>Обзор</a:t>
+            </a:r>
+            <a:endParaRPr lang="en-US" sz="3200" dirty="0"/>
+          </a:p>
+          <a:p>
+            <a:r>
+              <a:rPr lang="ru-RU" sz="3200" dirty="0"/>
+              <a:t>Шаг 1. Простой запрос. API</a:t>
+            </a:r>
+            <a:endParaRPr lang="en-US" sz="3200" dirty="0"/>
+          </a:p>
+          <a:p>
+            <a:r>
+              <a:rPr lang="ru-RU" sz="3200" dirty="0"/>
               <a:t>Шаг 2. </a:t>
             </a:r>
             <a:r>
-              <a:rPr lang="ru-RU" sz="2400" dirty="0" err="1"/>
+              <a:rPr lang="ru-RU" sz="3200" dirty="0" err="1"/>
               <a:t>Промт</a:t>
             </a:r>
             <a:r>
-              <a:rPr lang="ru-RU" sz="2400" dirty="0"/>
+              <a:rPr lang="ru-RU" sz="3200" dirty="0"/>
               <a:t> и База Знаний</a:t>
             </a:r>
-            <a:endParaRPr lang="en-US" sz="2400" dirty="0" smtClean="0"/>
-          </a:p>
-          <a:p>
-            <a:r>
-              <a:rPr lang="ru-RU" sz="2400" dirty="0"/>
+            <a:endParaRPr lang="en-US" sz="3200" dirty="0"/>
+          </a:p>
+          <a:p>
+            <a:r>
+              <a:rPr lang="ru-RU" sz="3200" dirty="0"/>
               <a:t>Шаг 3: Телеграм бот. Собираем все вместе</a:t>
             </a:r>
-            <a:endParaRPr lang="en-US" sz="2400" dirty="0"/>
-          </a:p>
-          <a:p>
-            <a:r>
-              <a:rPr lang="en-US" sz="2400" dirty="0" smtClean="0"/>
-              <a:t>Summary</a:t>
-            </a:r>
-          </a:p>
-          <a:p>
-            <a:r>
-              <a:rPr lang="en-US" sz="2400" dirty="0" smtClean="0"/>
-              <a:t>Q&amp;A</a:t>
-            </a:r>
-            <a:endParaRPr lang="en-US" sz="2400" dirty="0"/>
-          </a:p>
-          <a:p>
-            <a:endParaRPr lang="en-US" dirty="0"/>
+            <a:endParaRPr lang="en-US" sz="3200" dirty="0"/>
+          </a:p>
+          <a:p>
+            <a:r>
+              <a:rPr lang="ru-RU" sz="3200" dirty="0"/>
+              <a:t>Выводы</a:t>
+            </a:r>
+            <a:endParaRPr lang="en-US" sz="3200" dirty="0"/>
+          </a:p>
+          <a:p>
+            <a:r>
+              <a:rPr lang="ru-RU" sz="3200" dirty="0" smtClean="0"/>
+              <a:t>Вопросы и ответы</a:t>
+            </a:r>
+            <a:endParaRPr lang="en-US" sz="3200" dirty="0"/>
           </a:p>
         </p:txBody>
       </p:sp>
     </p:spTree>
     <p:extLst>
       <p:ext uri="{BB962C8B-B14F-4D97-AF65-F5344CB8AC3E}">
-        <p14:creationId xmlns:p14="http://schemas.microsoft.com/office/powerpoint/2010/main" val="359914258"/>
+        <p14:creationId xmlns:p14="http://schemas.microsoft.com/office/powerpoint/2010/main" val="4285518912"/>
       </p:ext>
     </p:extLst>
   </p:cSld>
@@ -7294,13 +6775,6 @@
       </p:transition>
     </mc:Fallback>
   </mc:AlternateContent>
-  <p:timing>
-    <p:tnLst>
-      <p:par>
-        <p:cTn id="1" dur="indefinite" restart="never" nodeType="tmRoot"/>
-      </p:par>
-    </p:tnLst>
-  </p:timing>
 </p:sld>
 </file>
 
@@ -8030,15 +7504,15 @@
         </p:nvSpPr>
         <p:spPr>
           <a:xfrm>
-            <a:off x="2518611" y="2149570"/>
-            <a:ext cx="6096000" cy="2838021"/>
+            <a:off x="2518610" y="2149570"/>
+            <a:ext cx="7548415" cy="2858475"/>
           </a:xfrm>
           <a:prstGeom prst="rect">
             <a:avLst/>
           </a:prstGeom>
         </p:spPr>
         <p:txBody>
-          <a:bodyPr>
+          <a:bodyPr wrap="square">
             <a:spAutoFit/>
           </a:bodyPr>
           <a:lstStyle/>
@@ -8054,13 +7528,18 @@
               <a:buAutoNum type="arabicPeriod"/>
             </a:pPr>
             <a:r>
-              <a:rPr lang="en-US" sz="2800" dirty="0">
+              <a:rPr lang="ru-RU" sz="2800" dirty="0" err="1" smtClean="0">
                 <a:latin typeface="Calibri" panose="020F0502020204030204" pitchFamily="34" charset="0"/>
                 <a:ea typeface="Calibri" panose="020F0502020204030204" pitchFamily="34" charset="0"/>
                 <a:cs typeface="Times New Roman" panose="02020603050405020304" pitchFamily="18" charset="0"/>
               </a:rPr>
-              <a:t>Prompt</a:t>
-            </a:r>
+              <a:t>Промт</a:t>
+            </a:r>
+            <a:endParaRPr lang="en-US" sz="2800" dirty="0">
+              <a:latin typeface="Calibri" panose="020F0502020204030204" pitchFamily="34" charset="0"/>
+              <a:ea typeface="Calibri" panose="020F0502020204030204" pitchFamily="34" charset="0"/>
+              <a:cs typeface="Times New Roman" panose="02020603050405020304" pitchFamily="18" charset="0"/>
+            </a:endParaRPr>
           </a:p>
           <a:p>
             <a:pPr marL="742950" lvl="1" indent="-285750">
@@ -8074,13 +7553,18 @@
               <a:buAutoNum type="alphaLcPeriod"/>
             </a:pPr>
             <a:r>
-              <a:rPr lang="en-US" sz="2800" dirty="0">
+              <a:rPr lang="ru-RU" sz="2800" dirty="0">
                 <a:latin typeface="Calibri" panose="020F0502020204030204" pitchFamily="34" charset="0"/>
                 <a:ea typeface="Calibri" panose="020F0502020204030204" pitchFamily="34" charset="0"/>
                 <a:cs typeface="Times New Roman" panose="02020603050405020304" pitchFamily="18" charset="0"/>
               </a:rPr>
-              <a:t>Be specific</a:t>
-            </a:r>
+              <a:t>Конкретизация</a:t>
+            </a:r>
+            <a:endParaRPr lang="en-US" sz="2800" dirty="0">
+              <a:latin typeface="Calibri" panose="020F0502020204030204" pitchFamily="34" charset="0"/>
+              <a:ea typeface="Calibri" panose="020F0502020204030204" pitchFamily="34" charset="0"/>
+              <a:cs typeface="Times New Roman" panose="02020603050405020304" pitchFamily="18" charset="0"/>
+            </a:endParaRPr>
           </a:p>
           <a:p>
             <a:pPr marL="742950" lvl="1" indent="-285750">
@@ -8094,33 +7578,51 @@
               <a:buAutoNum type="alphaLcPeriod"/>
             </a:pPr>
             <a:r>
-              <a:rPr lang="en-US" sz="2800" dirty="0">
+              <a:rPr lang="ru-RU" sz="2800" dirty="0">
                 <a:latin typeface="Calibri" panose="020F0502020204030204" pitchFamily="34" charset="0"/>
                 <a:ea typeface="Calibri" panose="020F0502020204030204" pitchFamily="34" charset="0"/>
                 <a:cs typeface="Times New Roman" panose="02020603050405020304" pitchFamily="18" charset="0"/>
               </a:rPr>
-              <a:t>Outline the behavior of the model</a:t>
-            </a:r>
-          </a:p>
-          <a:p>
-            <a:pPr marL="342900" lvl="0" indent="-342900">
-              <a:lnSpc>
-                <a:spcPct val="107000"/>
-              </a:lnSpc>
-              <a:spcAft>
-                <a:spcPts val="0"/>
-              </a:spcAft>
-              <a:buFont typeface="+mj-lt"/>
-              <a:buAutoNum type="arabicPeriod"/>
-            </a:pPr>
-            <a:r>
-              <a:rPr lang="en-US" sz="2800" dirty="0">
+              <a:t>Определить поведения </a:t>
+            </a:r>
+            <a:r>
+              <a:rPr lang="ru-RU" sz="2800" dirty="0" smtClean="0">
                 <a:latin typeface="Calibri" panose="020F0502020204030204" pitchFamily="34" charset="0"/>
                 <a:ea typeface="Calibri" panose="020F0502020204030204" pitchFamily="34" charset="0"/>
                 <a:cs typeface="Times New Roman" panose="02020603050405020304" pitchFamily="18" charset="0"/>
               </a:rPr>
-              <a:t>Knowledge base</a:t>
-            </a:r>
+              <a:t>модели</a:t>
+            </a:r>
+          </a:p>
+          <a:p>
+            <a:pPr marL="285750" indent="-285750">
+              <a:lnSpc>
+                <a:spcPct val="107000"/>
+              </a:lnSpc>
+              <a:buFont typeface="+mj-lt"/>
+              <a:buAutoNum type="arabicPeriod"/>
+            </a:pPr>
+            <a:r>
+              <a:rPr lang="ru-RU" sz="2800" dirty="0" smtClean="0">
+                <a:latin typeface="Calibri" panose="020F0502020204030204" pitchFamily="34" charset="0"/>
+                <a:ea typeface="Calibri" panose="020F0502020204030204" pitchFamily="34" charset="0"/>
+                <a:cs typeface="Times New Roman" panose="02020603050405020304" pitchFamily="18" charset="0"/>
+              </a:rPr>
+              <a:t>База </a:t>
+            </a:r>
+            <a:r>
+              <a:rPr lang="ru-RU" sz="2800" dirty="0" smtClean="0">
+                <a:latin typeface="Calibri" panose="020F0502020204030204" pitchFamily="34" charset="0"/>
+                <a:ea typeface="Calibri" panose="020F0502020204030204" pitchFamily="34" charset="0"/>
+                <a:cs typeface="Times New Roman" panose="02020603050405020304" pitchFamily="18" charset="0"/>
+              </a:rPr>
+              <a:t>Знаний</a:t>
+            </a:r>
+            <a:endParaRPr lang="en-US" sz="2800" dirty="0">
+              <a:latin typeface="Calibri" panose="020F0502020204030204" pitchFamily="34" charset="0"/>
+              <a:ea typeface="Calibri" panose="020F0502020204030204" pitchFamily="34" charset="0"/>
+              <a:cs typeface="Times New Roman" panose="02020603050405020304" pitchFamily="18" charset="0"/>
+            </a:endParaRPr>
           </a:p>
           <a:p>
             <a:pPr marL="742950" lvl="1" indent="-285750">
@@ -8134,12 +7636,20 @@
               <a:buAutoNum type="alphaLcPeriod"/>
             </a:pPr>
             <a:r>
-              <a:rPr lang="en-US" sz="2800" dirty="0">
+              <a:rPr lang="ru-RU" sz="2800" dirty="0">
                 <a:latin typeface="Calibri" panose="020F0502020204030204" pitchFamily="34" charset="0"/>
                 <a:ea typeface="Calibri" panose="020F0502020204030204" pitchFamily="34" charset="0"/>
                 <a:cs typeface="Times New Roman" panose="02020603050405020304" pitchFamily="18" charset="0"/>
               </a:rPr>
-              <a:t>Categorization and classification</a:t>
+              <a:t>Категоризация и </a:t>
+            </a:r>
+            <a:r>
+              <a:rPr lang="ru-RU" sz="2800" dirty="0" smtClean="0">
+                <a:latin typeface="Calibri" panose="020F0502020204030204" pitchFamily="34" charset="0"/>
+                <a:ea typeface="Calibri" panose="020F0502020204030204" pitchFamily="34" charset="0"/>
+                <a:cs typeface="Times New Roman" panose="02020603050405020304" pitchFamily="18" charset="0"/>
+              </a:rPr>
+              <a:t>классификация</a:t>
             </a:r>
           </a:p>
           <a:p>
@@ -8148,18 +7658,18 @@
                 <a:spcPct val="107000"/>
               </a:lnSpc>
               <a:spcAft>
-                <a:spcPts val="800"/>
+                <a:spcPts val="0"/>
               </a:spcAft>
               <a:buFont typeface="+mj-lt"/>
               <a:buAutoNum type="alphaLcPeriod"/>
             </a:pPr>
             <a:r>
-              <a:rPr lang="en-US" sz="2800" dirty="0">
+              <a:rPr lang="ru-RU" sz="2800" dirty="0">
                 <a:latin typeface="Calibri" panose="020F0502020204030204" pitchFamily="34" charset="0"/>
                 <a:ea typeface="Calibri" panose="020F0502020204030204" pitchFamily="34" charset="0"/>
                 <a:cs typeface="Times New Roman" panose="02020603050405020304" pitchFamily="18" charset="0"/>
               </a:rPr>
-              <a:t>Hierarchy</a:t>
+              <a:t>Иерархия</a:t>
             </a:r>
             <a:endParaRPr lang="en-US" sz="2800" dirty="0">
               <a:effectLst/>
